--- a/Slides/S2.pptx
+++ b/Slides/S2.pptx
@@ -818,23 +818,19 @@
             <a:pPr algn="r" rtl="1"/>
             <a:r>
               <a:rPr lang="fa-IR" baseline="0" dirty="0" smtClean="0"/>
-              <a:t>چون </a:t>
+              <a:t>چون در نمودار سمت راست مساوی بودن یا نبودن مهم است که یا برابر هست یا نیست؛ ولی در نمودار سمت چپ چون تابع </a:t>
             </a:r>
             <a:r>
               <a:rPr lang="en-US" baseline="0" dirty="0" smtClean="0"/>
-              <a:t>loss cross ant</a:t>
+              <a:t>loss</a:t>
+            </a:r>
+            <a:r>
+              <a:rPr lang="fa-IR" baseline="0" smtClean="0"/>
+              <a:t> است، میزان </a:t>
             </a:r>
             <a:r>
               <a:rPr lang="fa-IR" baseline="0" dirty="0" smtClean="0"/>
-              <a:t> است و مقادیر رو خیلی بالا و پایین میاره چون با </a:t>
-            </a:r>
-            <a:r>
-              <a:rPr lang="en-US" baseline="0" dirty="0" smtClean="0"/>
-              <a:t>log</a:t>
-            </a:r>
-            <a:r>
-              <a:rPr lang="fa-IR" baseline="0" dirty="0" smtClean="0"/>
-              <a:t> محاسبه میکند.</a:t>
+              <a:t>اختلاف مهم است. پس شکل نمودارها با یکدیگر تفاوت زیادی دارد.</a:t>
             </a:r>
             <a:endParaRPr lang="en-US" dirty="0"/>
           </a:p>
